--- a/backend/business_performance_presentation.pptx
+++ b/backend/business_performance_presentation.pptx
@@ -12,9 +12,6 @@
     <p:sldId id="260" r:id="rId11"/>
     <p:sldId id="261" r:id="rId12"/>
     <p:sldId id="262" r:id="rId13"/>
-    <p:sldId id="263" r:id="rId14"/>
-    <p:sldId id="264" r:id="rId15"/>
-    <p:sldId id="265" r:id="rId16"/>
   </p:sldIdLst>
   <p:sldSz cx="9144000" cy="6858000" type="screen4x3"/>
   <p:notesSz cx="6858000" cy="9144000"/>
@@ -3132,71 +3129,7 @@
         <p:txBody>
           <a:bodyPr/>
           <a:lstStyle/>
-          <a:p>
-            <a:r>
-              <a:t>Generated using Python</a:t>
-            </a:r>
-          </a:p>
-        </p:txBody>
-      </p:sp>
-    </p:spTree>
-  </p:cSld>
-  <p:clrMapOvr>
-    <a:masterClrMapping/>
-  </p:clrMapOvr>
-</p:sld>
-</file>
-
-<file path=ppt/slides/slide10.xml><?xml version="1.0" encoding="utf-8"?>
-<p:sld xmlns:a="http://schemas.openxmlformats.org/drawingml/2006/main" xmlns:p="http://schemas.openxmlformats.org/presentationml/2006/main" xmlns:r="http://schemas.openxmlformats.org/officeDocument/2006/relationships">
-  <p:cSld>
-    <p:spTree>
-      <p:nvGrpSpPr>
-        <p:cNvPr id="1" name=""/>
-        <p:cNvGrpSpPr/>
-        <p:nvPr/>
-      </p:nvGrpSpPr>
-      <p:grpSpPr/>
-      <p:sp>
-        <p:nvSpPr>
-          <p:cNvPr id="2" name="Title 1"/>
-          <p:cNvSpPr>
-            <a:spLocks noGrp="1"/>
-          </p:cNvSpPr>
-          <p:nvPr>
-            <p:ph type="title"/>
-          </p:nvPr>
-        </p:nvSpPr>
-        <p:spPr/>
-        <p:txBody>
-          <a:bodyPr/>
-          <a:lstStyle/>
-          <a:p>
-            <a:r>
-              <a:t>Visualizing the Himalayas</a:t>
-            </a:r>
-          </a:p>
-        </p:txBody>
-      </p:sp>
-      <p:sp>
-        <p:nvSpPr>
-          <p:cNvPr id="3" name="Content Placeholder 2"/>
-          <p:cNvSpPr>
-            <a:spLocks noGrp="1"/>
-          </p:cNvSpPr>
-          <p:nvPr>
-            <p:ph idx="1"/>
-          </p:nvPr>
-        </p:nvSpPr>
-        <p:spPr/>
-        <p:txBody>
-          <a:bodyPr/>
-          <a:lstStyle/>
-          <a:p>
-            <a:r>
-              <a:t>Visualize content</a:t>
-            </a:r>
-          </a:p>
+          <a:p/>
         </p:txBody>
       </p:sp>
     </p:spTree>
@@ -3254,7 +3187,7 @@
           <a:lstStyle/>
           <a:p>
             <a:r>
-              <a:t>This article is about a mountain range. For other uses, see Himalaya (disambiguation). The Himalayas The arc of the Himalayas (also Hindu Kush and Karakorams) showing the eight-thousanders in red; Indo-Gangetic Plain; Tibetan plateau; rivers Indus, Ganges, and Yarlung Tsangpo-Brahmaputra; and the two anchors of the range in yellow</a:t>
+              <a:t>The Himalayas, or Himalaya, is a mountain range in Asia, separating the plains of the Indian subcontinent from the Tibetan Plateau. The range has some of the Earth's highest peaks, including the highest, Mount Everest.</a:t>
             </a:r>
           </a:p>
         </p:txBody>
@@ -3314,7 +3247,7 @@
           <a:lstStyle/>
           <a:p>
             <a:r>
-              <a:t>Highest point Peak Mount Everest, Nepal China Elevation 8,848.86 m (29,031.7 ft) Coordinates 27°59′N 86°55′E Dimensions Length 2,400 km (1,500 mi)</a:t>
+              <a:t>Mount Everest and surrounding peaks as seen from the north-northwest over the Tibetan Plateau. Four eight-thousanders can be seen, Makalu (8,462 m), Everest (8,848 m), Cho Oyu (8,201 m), and Lhotse (8,516 m).</a:t>
             </a:r>
           </a:p>
         </p:txBody>
@@ -3353,7 +3286,7 @@
           <a:lstStyle/>
           <a:p>
             <a:r>
-              <a:t>Mount Everest and Surrounding Peaks</a:t>
+              <a:t>Countries in the Himalayas</a:t>
             </a:r>
           </a:p>
         </p:txBody>
@@ -3374,7 +3307,7 @@
           <a:lstStyle/>
           <a:p>
             <a:r>
-              <a:t>Mount Everest and surrounding peaks as seen from the north-northwest over the Tibetan Plateau. Four eight-thousanders can be seen, Makalu (8,462 m), Everest (8,848 m), Cho Oyu (8,201 m), and Lhotse (8,516 m).</a:t>
+              <a:t>The Himalayas abut or cross six countries: Nepal, China, Pakistan, Bhutan, India, and Afghanistan.</a:t>
             </a:r>
           </a:p>
         </p:txBody>
@@ -3413,7 +3346,7 @@
           <a:lstStyle/>
           <a:p>
             <a:r>
-              <a:t>Countries in the Himalayas</a:t>
+              <a:t>Pie Chart: Countries in the Himalayas</a:t>
             </a:r>
           </a:p>
         </p:txBody>
@@ -3432,11 +3365,7 @@
         <p:txBody>
           <a:bodyPr/>
           <a:lstStyle/>
-          <a:p>
-            <a:r>
-              <a:t>Countries Bhutan China India Nepal Pakistan Afghanistan</a:t>
-            </a:r>
-          </a:p>
+          <a:p/>
         </p:txBody>
       </p:sp>
     </p:spTree>
@@ -3473,7 +3402,7 @@
           <a:lstStyle/>
           <a:p>
             <a:r>
-              <a:t>Continent of the Himalayas</a:t>
+              <a:t>Bar Graph: Elevation of Peaks in the Himalayas</a:t>
             </a:r>
           </a:p>
         </p:txBody>
@@ -3492,11 +3421,7 @@
         <p:txBody>
           <a:bodyPr/>
           <a:lstStyle/>
-          <a:p>
-            <a:r>
-              <a:t>Continent Asia</a:t>
-            </a:r>
-          </a:p>
+          <a:p/>
         </p:txBody>
       </p:sp>
     </p:spTree>
@@ -3533,7 +3458,7 @@
           <a:lstStyle/>
           <a:p>
             <a:r>
-              <a:t>Geology of the Himalayas</a:t>
+              <a:t>Visualizing the Himalayas</a:t>
             </a:r>
           </a:p>
         </p:txBody>
@@ -3554,121 +3479,9 @@
           <a:lstStyle/>
           <a:p>
             <a:r>
-              <a:t>Geology Orogeny Alpine orogeny Age of rock Cretaceous to Cenozoic Type of rock Metamorphic sedimentary</a:t>
-            </a:r>
-          </a:p>
-        </p:txBody>
-      </p:sp>
-    </p:spTree>
-  </p:cSld>
-  <p:clrMapOvr>
-    <a:masterClrMapping/>
-  </p:clrMapOvr>
-</p:sld>
-</file>
-
-<file path=ppt/slides/slide8.xml><?xml version="1.0" encoding="utf-8"?>
-<p:sld xmlns:a="http://schemas.openxmlformats.org/drawingml/2006/main" xmlns:p="http://schemas.openxmlformats.org/presentationml/2006/main" xmlns:r="http://schemas.openxmlformats.org/officeDocument/2006/relationships">
-  <p:cSld>
-    <p:spTree>
-      <p:nvGrpSpPr>
-        <p:cNvPr id="1" name=""/>
-        <p:cNvGrpSpPr/>
-        <p:nvPr/>
-      </p:nvGrpSpPr>
-      <p:grpSpPr/>
-      <p:sp>
-        <p:nvSpPr>
-          <p:cNvPr id="2" name="Title 1"/>
-          <p:cNvSpPr>
-            <a:spLocks noGrp="1"/>
-          </p:cNvSpPr>
-          <p:nvPr>
-            <p:ph type="title"/>
-          </p:nvPr>
-        </p:nvSpPr>
-        <p:spPr/>
-        <p:txBody>
-          <a:bodyPr/>
-          <a:lstStyle/>
-          <a:p>
-            <a:r>
-              <a:t>Pie Chart: Countries in the Himalayas</a:t>
-            </a:r>
-          </a:p>
-        </p:txBody>
-      </p:sp>
-      <p:sp>
-        <p:nvSpPr>
-          <p:cNvPr id="3" name="Content Placeholder 2"/>
-          <p:cNvSpPr>
-            <a:spLocks noGrp="1"/>
-          </p:cNvSpPr>
-          <p:nvPr>
-            <p:ph idx="1"/>
-          </p:nvPr>
-        </p:nvSpPr>
-        <p:spPr/>
-        <p:txBody>
-          <a:bodyPr/>
-          <a:lstStyle/>
-          <a:p/>
-        </p:txBody>
-      </p:sp>
-    </p:spTree>
-  </p:cSld>
-  <p:clrMapOvr>
-    <a:masterClrMapping/>
-  </p:clrMapOvr>
-</p:sld>
-</file>
-
-<file path=ppt/slides/slide9.xml><?xml version="1.0" encoding="utf-8"?>
-<p:sld xmlns:a="http://schemas.openxmlformats.org/drawingml/2006/main" xmlns:p="http://schemas.openxmlformats.org/presentationml/2006/main" xmlns:r="http://schemas.openxmlformats.org/officeDocument/2006/relationships">
-  <p:cSld>
-    <p:spTree>
-      <p:nvGrpSpPr>
-        <p:cNvPr id="1" name=""/>
-        <p:cNvGrpSpPr/>
-        <p:nvPr/>
-      </p:nvGrpSpPr>
-      <p:grpSpPr/>
-      <p:sp>
-        <p:nvSpPr>
-          <p:cNvPr id="2" name="Title 1"/>
-          <p:cNvSpPr>
-            <a:spLocks noGrp="1"/>
-          </p:cNvSpPr>
-          <p:nvPr>
-            <p:ph type="title"/>
-          </p:nvPr>
-        </p:nvSpPr>
-        <p:spPr/>
-        <p:txBody>
-          <a:bodyPr/>
-          <a:lstStyle/>
-          <a:p>
-            <a:r>
-              <a:t>Bar Graph: Elevation of Peaks in the Himalayas</a:t>
-            </a:r>
-          </a:p>
-        </p:txBody>
-      </p:sp>
-      <p:sp>
-        <p:nvSpPr>
-          <p:cNvPr id="3" name="Content Placeholder 2"/>
-          <p:cNvSpPr>
-            <a:spLocks noGrp="1"/>
-          </p:cNvSpPr>
-          <p:nvPr>
-            <p:ph idx="1"/>
-          </p:nvPr>
-        </p:nvSpPr>
-        <p:spPr/>
-        <p:txBody>
-          <a:bodyPr/>
-          <a:lstStyle/>
-          <a:p/>
+              <a:t>The arc of the Himalayas (also Hindu Kush and Karakorams) showing the eight-thousanders in red; Indo-Gangetic Plain; Tibetan plateau; rivers Indus, Ganges, and Yarlung Tsangpo-Brahmaputra; and the two anchors of the range in yellow.</a:t>
+            </a:r>
+          </a:p>
         </p:txBody>
       </p:sp>
     </p:spTree>
